--- a/presentation.pptx
+++ b/presentation.pptx
@@ -3138,7 +3138,7 @@
             </a:pPr>
             <a:r>
               <a:rPr/>
-              <a:t>Presentation</a:t>
+              <a:t>Debugging</a:t>
             </a:r>
             <a:r>
               <a:rPr/>
@@ -3146,7 +3146,7 @@
             </a:r>
             <a:r>
               <a:rPr/>
-              <a:t>Title</a:t>
+              <a:t>Problems</a:t>
             </a:r>
           </a:p>
         </p:txBody>
@@ -3178,7 +3178,7 @@
             <a:br/>
             <a:r>
               <a:rPr/>
-              <a:t>Your</a:t>
+              <a:t>Author:</a:t>
             </a:r>
             <a:r>
               <a:rPr/>
@@ -3186,32 +3186,39 @@
             </a:r>
             <a:r>
               <a:rPr/>
-              <a:t>Name</a:t>
-            </a:r>
-          </a:p>
-        </p:txBody>
-      </p:sp>
-      <p:sp>
-        <p:nvSpPr>
-          <p:cNvPr id="4" name="Date Placeholder 3"/>
-          <p:cNvSpPr>
-            <a:spLocks noGrp="1"/>
-          </p:cNvSpPr>
-          <p:nvPr>
-            <p:ph type="dt" sz="half" idx="10"/>
-          </p:nvPr>
-        </p:nvSpPr>
-        <p:spPr/>
-        <p:txBody>
-          <a:bodyPr/>
-          <a:lstStyle/>
-          <a:p>
-            <a:pPr lvl="0" marL="0" indent="0">
-              <a:buNone/>
-            </a:pPr>
+              <a:t>Patrick</a:t>
+            </a:r>
             <a:r>
               <a:rPr/>
-              <a:t>Date</a:t>
+              <a:t> </a:t>
+            </a:r>
+            <a:r>
+              <a:rPr/>
+              <a:t>Farmer</a:t>
+            </a:r>
+            <a:r>
+              <a:rPr/>
+              <a:t> </a:t>
+            </a:r>
+            <a:r>
+              <a:rPr/>
+              <a:t>Supervisor:</a:t>
+            </a:r>
+            <a:r>
+              <a:rPr/>
+              <a:t> </a:t>
+            </a:r>
+            <a:r>
+              <a:rPr/>
+              <a:t>Dr. Jonathon</a:t>
+            </a:r>
+            <a:r>
+              <a:rPr/>
+              <a:t> </a:t>
+            </a:r>
+            <a:r>
+              <a:rPr/>
+              <a:t>Dukes</a:t>
             </a:r>
           </a:p>
         </p:txBody>

--- a/presentation.pptx
+++ b/presentation.pptx
@@ -8,6 +8,14 @@
     <p:sldId id="256" r:id="rId2"/>
     <p:sldId id="257" r:id="rId3"/>
     <p:sldId id="258" r:id="rId4"/>
+    <p:sldId id="259" r:id="rId5"/>
+    <p:sldId id="260" r:id="rId6"/>
+    <p:sldId id="261" r:id="rId7"/>
+    <p:sldId id="262" r:id="rId8"/>
+    <p:sldId id="263" r:id="rId9"/>
+    <p:sldId id="264" r:id="rId10"/>
+    <p:sldId id="265" r:id="rId11"/>
+    <p:sldId id="266" r:id="rId12"/>
   </p:sldIdLst>
   <p:sldSz cx="9144000" cy="6858000" type="screen4x3"/>
   <p:notesSz cx="6858000" cy="9144000"/>
@@ -3228,6 +3236,199 @@
 </p:sld>
 </file>
 
+<file path=ppt/slides/slide10.xml><?xml version="1.0" encoding="utf-8"?>
+<p:sld xmlns:a="http://schemas.openxmlformats.org/drawingml/2006/main" xmlns:r="http://schemas.openxmlformats.org/officeDocument/2006/relationships" xmlns:p="http://schemas.openxmlformats.org/presentationml/2006/main">
+  <p:cSld>
+    <p:spTree>
+      <p:nvGrpSpPr>
+        <p:cNvPr id="1" name=""/>
+        <p:cNvGrpSpPr/>
+        <p:nvPr/>
+      </p:nvGrpSpPr>
+      <p:grpSpPr>
+        <a:xfrm>
+          <a:off x="0" y="0"/>
+          <a:ext cx="0" cy="0"/>
+          <a:chOff x="0" y="0"/>
+          <a:chExt cx="0" cy="0"/>
+        </a:xfrm>
+      </p:grpSpPr>
+      <p:sp>
+        <p:nvSpPr>
+          <p:cNvPr id="2" name="Title 1"/>
+          <p:cNvSpPr>
+            <a:spLocks noGrp="1"/>
+          </p:cNvSpPr>
+          <p:nvPr>
+            <p:ph type="title"/>
+          </p:nvPr>
+        </p:nvSpPr>
+        <p:spPr/>
+        <p:txBody>
+          <a:bodyPr/>
+          <a:lstStyle/>
+          <a:p>
+            <a:pPr lvl="0" marL="0" indent="0">
+              <a:buNone/>
+            </a:pPr>
+            <a:r>
+              <a:rPr/>
+              <a:t>Performance</a:t>
+            </a:r>
+            <a:r>
+              <a:rPr/>
+              <a:t> </a:t>
+            </a:r>
+            <a:r>
+              <a:rPr/>
+              <a:t>across</a:t>
+            </a:r>
+            <a:r>
+              <a:rPr/>
+              <a:t> </a:t>
+            </a:r>
+            <a:r>
+              <a:rPr/>
+              <a:t>models</a:t>
+            </a:r>
+          </a:p>
+        </p:txBody>
+      </p:sp>
+      <p:sp>
+        <p:nvSpPr>
+          <p:cNvPr id="3" name="Content Placeholder 2"/>
+          <p:cNvSpPr>
+            <a:spLocks noGrp="1"/>
+          </p:cNvSpPr>
+          <p:nvPr>
+            <p:ph idx="1"/>
+          </p:nvPr>
+        </p:nvSpPr>
+        <p:spPr/>
+        <p:txBody>
+          <a:bodyPr/>
+          <a:lstStyle/>
+          <a:p>
+            <a:pPr lvl="1"/>
+            <a:r>
+              <a:rPr/>
+              <a:t>Comparison of performance across models with graph</a:t>
+            </a:r>
+          </a:p>
+          <a:p>
+            <a:pPr lvl="1"/>
+            <a:r>
+              <a:rPr/>
+              <a:t>Discussion of reasoning vs normal models</a:t>
+            </a:r>
+          </a:p>
+        </p:txBody>
+      </p:sp>
+    </p:spTree>
+  </p:cSld>
+</p:sld>
+</file>
+
+<file path=ppt/slides/slide11.xml><?xml version="1.0" encoding="utf-8"?>
+<p:sld xmlns:a="http://schemas.openxmlformats.org/drawingml/2006/main" xmlns:r="http://schemas.openxmlformats.org/officeDocument/2006/relationships" xmlns:p="http://schemas.openxmlformats.org/presentationml/2006/main">
+  <p:cSld>
+    <p:spTree>
+      <p:nvGrpSpPr>
+        <p:cNvPr id="1" name=""/>
+        <p:cNvGrpSpPr/>
+        <p:nvPr/>
+      </p:nvGrpSpPr>
+      <p:grpSpPr>
+        <a:xfrm>
+          <a:off x="0" y="0"/>
+          <a:ext cx="0" cy="0"/>
+          <a:chOff x="0" y="0"/>
+          <a:chExt cx="0" cy="0"/>
+        </a:xfrm>
+      </p:grpSpPr>
+      <p:sp>
+        <p:nvSpPr>
+          <p:cNvPr id="2" name="Title 1"/>
+          <p:cNvSpPr>
+            <a:spLocks noGrp="1"/>
+          </p:cNvSpPr>
+          <p:nvPr>
+            <p:ph type="title"/>
+          </p:nvPr>
+        </p:nvSpPr>
+        <p:spPr/>
+        <p:txBody>
+          <a:bodyPr/>
+          <a:lstStyle/>
+          <a:p>
+            <a:pPr lvl="0" marL="0" indent="0">
+              <a:buNone/>
+            </a:pPr>
+            <a:r>
+              <a:rPr/>
+              <a:t>Conclusion</a:t>
+            </a:r>
+          </a:p>
+        </p:txBody>
+      </p:sp>
+      <p:sp>
+        <p:nvSpPr>
+          <p:cNvPr id="3" name="Content Placeholder 2"/>
+          <p:cNvSpPr>
+            <a:spLocks noGrp="1"/>
+          </p:cNvSpPr>
+          <p:nvPr>
+            <p:ph idx="1"/>
+          </p:nvPr>
+        </p:nvSpPr>
+        <p:spPr/>
+        <p:txBody>
+          <a:bodyPr/>
+          <a:lstStyle/>
+          <a:p>
+            <a:pPr lvl="1"/>
+            <a:r>
+              <a:rPr/>
+              <a:t>Summary of project</a:t>
+            </a:r>
+          </a:p>
+          <a:p>
+            <a:pPr lvl="1"/>
+            <a:r>
+              <a:rPr/>
+              <a:t>Future work</a:t>
+            </a:r>
+          </a:p>
+          <a:p>
+            <a:pPr lvl="1"/>
+            <a:r>
+              <a:rPr/>
+              <a:t>Questions</a:t>
+            </a:r>
+          </a:p>
+          <a:p>
+            <a:pPr lvl="1"/>
+            <a:r>
+              <a:rPr/>
+              <a:t>Thank you</a:t>
+            </a:r>
+          </a:p>
+          <a:p>
+            <a:pPr lvl="0" marL="0" indent="0">
+              <a:buNone/>
+            </a:pPr>
+            <a:r>
+              <a:rPr/>
+              <a:t>`</a:t>
+            </a:r>
+          </a:p>
+        </p:txBody>
+      </p:sp>
+    </p:spTree>
+  </p:cSld>
+</p:sld>
+</file>
+
 <file path=ppt/slides/slide2.xml><?xml version="1.0" encoding="utf-8"?>
 <p:sld xmlns:a="http://schemas.openxmlformats.org/drawingml/2006/main" xmlns:r="http://schemas.openxmlformats.org/officeDocument/2006/relationships" xmlns:p="http://schemas.openxmlformats.org/presentationml/2006/main">
   <p:cSld>
@@ -3265,15 +3466,7 @@
             </a:pPr>
             <a:r>
               <a:rPr/>
-              <a:t>Slide</a:t>
-            </a:r>
-            <a:r>
-              <a:rPr/>
-              <a:t> </a:t>
-            </a:r>
-            <a:r>
-              <a:rPr/>
-              <a:t>1</a:t>
+              <a:t>Demonstration</a:t>
             </a:r>
           </a:p>
         </p:txBody>
@@ -3296,14 +3489,21 @@
             <a:pPr lvl="1"/>
             <a:r>
               <a:rPr/>
-              <a:t>Bullet point 1</a:t>
+              <a:t>Demonstration of tool in work</a:t>
             </a:r>
           </a:p>
           <a:p>
             <a:pPr lvl="1"/>
             <a:r>
               <a:rPr/>
-              <a:t>Bullet point 2</a:t>
+              <a:t>Show the problems it generates</a:t>
+            </a:r>
+          </a:p>
+          <a:p>
+            <a:pPr lvl="1"/>
+            <a:r>
+              <a:rPr/>
+              <a:t>Show an example of debugging (maybe)</a:t>
             </a:r>
           </a:p>
         </p:txBody>
@@ -3350,7 +3550,91 @@
             </a:pPr>
             <a:r>
               <a:rPr/>
-              <a:t>Slide</a:t>
+              <a:t>LLM’s</a:t>
+            </a:r>
+          </a:p>
+        </p:txBody>
+      </p:sp>
+      <p:sp>
+        <p:nvSpPr>
+          <p:cNvPr id="3" name="Content Placeholder 2"/>
+          <p:cNvSpPr>
+            <a:spLocks noGrp="1"/>
+          </p:cNvSpPr>
+          <p:nvPr>
+            <p:ph idx="1"/>
+          </p:nvPr>
+        </p:nvSpPr>
+        <p:spPr/>
+        <p:txBody>
+          <a:bodyPr/>
+          <a:lstStyle/>
+          <a:p>
+            <a:pPr lvl="1"/>
+            <a:r>
+              <a:rPr/>
+              <a:t>What LLMs are good at</a:t>
+            </a:r>
+          </a:p>
+          <a:p>
+            <a:pPr lvl="1"/>
+            <a:r>
+              <a:rPr/>
+              <a:t>What LLMs are bad at</a:t>
+            </a:r>
+          </a:p>
+          <a:p>
+            <a:pPr lvl="1"/>
+            <a:r>
+              <a:rPr/>
+              <a:t>Interacting with LLM in code</a:t>
+            </a:r>
+          </a:p>
+        </p:txBody>
+      </p:sp>
+    </p:spTree>
+  </p:cSld>
+</p:sld>
+</file>
+
+<file path=ppt/slides/slide4.xml><?xml version="1.0" encoding="utf-8"?>
+<p:sld xmlns:a="http://schemas.openxmlformats.org/drawingml/2006/main" xmlns:r="http://schemas.openxmlformats.org/officeDocument/2006/relationships" xmlns:p="http://schemas.openxmlformats.org/presentationml/2006/main">
+  <p:cSld>
+    <p:spTree>
+      <p:nvGrpSpPr>
+        <p:cNvPr id="1" name=""/>
+        <p:cNvGrpSpPr/>
+        <p:nvPr/>
+      </p:nvGrpSpPr>
+      <p:grpSpPr>
+        <a:xfrm>
+          <a:off x="0" y="0"/>
+          <a:ext cx="0" cy="0"/>
+          <a:chOff x="0" y="0"/>
+          <a:chExt cx="0" cy="0"/>
+        </a:xfrm>
+      </p:grpSpPr>
+      <p:sp>
+        <p:nvSpPr>
+          <p:cNvPr id="2" name="Title 1"/>
+          <p:cNvSpPr>
+            <a:spLocks noGrp="1"/>
+          </p:cNvSpPr>
+          <p:nvPr>
+            <p:ph type="title"/>
+          </p:nvPr>
+        </p:nvSpPr>
+        <p:spPr/>
+        <p:txBody>
+          <a:bodyPr/>
+          <a:lstStyle/>
+          <a:p>
+            <a:pPr lvl="0" marL="0" indent="0">
+              <a:buNone/>
+            </a:pPr>
+            <a:r>
+              <a:rPr/>
+              <a:t>Debugging</a:t>
             </a:r>
             <a:r>
               <a:rPr/>
@@ -3358,7 +3642,7 @@
             </a:r>
             <a:r>
               <a:rPr/>
-              <a:t>2</a:t>
+              <a:t>Importance</a:t>
             </a:r>
           </a:p>
         </p:txBody>
@@ -3378,12 +3662,480 @@
           <a:bodyPr/>
           <a:lstStyle/>
           <a:p>
+            <a:pPr lvl="1"/>
+            <a:r>
+              <a:rPr/>
+              <a:t>Percentage of time debugging</a:t>
+            </a:r>
+          </a:p>
+          <a:p>
+            <a:pPr lvl="1"/>
+            <a:r>
+              <a:rPr/>
+              <a:t>Cost of debugging late vs early in production</a:t>
+            </a:r>
+          </a:p>
+          <a:p>
+            <a:pPr lvl="1"/>
+            <a:r>
+              <a:rPr/>
+              <a:t>Increased importance of debugging with LLMs</a:t>
+            </a:r>
+          </a:p>
+        </p:txBody>
+      </p:sp>
+    </p:spTree>
+  </p:cSld>
+</p:sld>
+</file>
+
+<file path=ppt/slides/slide5.xml><?xml version="1.0" encoding="utf-8"?>
+<p:sld xmlns:a="http://schemas.openxmlformats.org/drawingml/2006/main" xmlns:r="http://schemas.openxmlformats.org/officeDocument/2006/relationships" xmlns:p="http://schemas.openxmlformats.org/presentationml/2006/main">
+  <p:cSld>
+    <p:spTree>
+      <p:nvGrpSpPr>
+        <p:cNvPr id="1" name=""/>
+        <p:cNvGrpSpPr/>
+        <p:nvPr/>
+      </p:nvGrpSpPr>
+      <p:grpSpPr>
+        <a:xfrm>
+          <a:off x="0" y="0"/>
+          <a:ext cx="0" cy="0"/>
+          <a:chOff x="0" y="0"/>
+          <a:chExt cx="0" cy="0"/>
+        </a:xfrm>
+      </p:grpSpPr>
+      <p:sp>
+        <p:nvSpPr>
+          <p:cNvPr id="2" name="Title 1"/>
+          <p:cNvSpPr>
+            <a:spLocks noGrp="1"/>
+          </p:cNvSpPr>
+          <p:nvPr>
+            <p:ph type="title"/>
+          </p:nvPr>
+        </p:nvSpPr>
+        <p:spPr/>
+        <p:txBody>
+          <a:bodyPr/>
+          <a:lstStyle/>
+          <a:p>
             <a:pPr lvl="0" marL="0" indent="0">
               <a:buNone/>
             </a:pPr>
             <a:r>
               <a:rPr/>
-              <a:t>Another slide content.</a:t>
+              <a:t>Skills</a:t>
+            </a:r>
+            <a:r>
+              <a:rPr/>
+              <a:t> </a:t>
+            </a:r>
+            <a:r>
+              <a:rPr/>
+              <a:t>for</a:t>
+            </a:r>
+            <a:r>
+              <a:rPr/>
+              <a:t> </a:t>
+            </a:r>
+            <a:r>
+              <a:rPr/>
+              <a:t>Debugging</a:t>
+            </a:r>
+          </a:p>
+        </p:txBody>
+      </p:sp>
+      <p:sp>
+        <p:nvSpPr>
+          <p:cNvPr id="3" name="Content Placeholder 2"/>
+          <p:cNvSpPr>
+            <a:spLocks noGrp="1"/>
+          </p:cNvSpPr>
+          <p:nvPr>
+            <p:ph idx="1"/>
+          </p:nvPr>
+        </p:nvSpPr>
+        <p:spPr/>
+        <p:txBody>
+          <a:bodyPr/>
+          <a:lstStyle/>
+          <a:p>
+            <a:pPr lvl="1"/>
+            <a:r>
+              <a:rPr/>
+              <a:t>Understanding the language + problem</a:t>
+            </a:r>
+          </a:p>
+          <a:p>
+            <a:pPr lvl="1"/>
+            <a:r>
+              <a:rPr/>
+              <a:t>Using debugging tools</a:t>
+            </a:r>
+          </a:p>
+          <a:p>
+            <a:pPr lvl="1"/>
+            <a:r>
+              <a:rPr/>
+              <a:t>Previous experience with bugs</a:t>
+            </a:r>
+          </a:p>
+        </p:txBody>
+      </p:sp>
+    </p:spTree>
+  </p:cSld>
+</p:sld>
+</file>
+
+<file path=ppt/slides/slide6.xml><?xml version="1.0" encoding="utf-8"?>
+<p:sld xmlns:a="http://schemas.openxmlformats.org/drawingml/2006/main" xmlns:r="http://schemas.openxmlformats.org/officeDocument/2006/relationships" xmlns:p="http://schemas.openxmlformats.org/presentationml/2006/main">
+  <p:cSld>
+    <p:spTree>
+      <p:nvGrpSpPr>
+        <p:cNvPr id="1" name=""/>
+        <p:cNvGrpSpPr/>
+        <p:nvPr/>
+      </p:nvGrpSpPr>
+      <p:grpSpPr>
+        <a:xfrm>
+          <a:off x="0" y="0"/>
+          <a:ext cx="0" cy="0"/>
+          <a:chOff x="0" y="0"/>
+          <a:chExt cx="0" cy="0"/>
+        </a:xfrm>
+      </p:grpSpPr>
+      <p:sp>
+        <p:nvSpPr>
+          <p:cNvPr id="2" name="Title 1"/>
+          <p:cNvSpPr>
+            <a:spLocks noGrp="1"/>
+          </p:cNvSpPr>
+          <p:nvPr>
+            <p:ph type="title"/>
+          </p:nvPr>
+        </p:nvSpPr>
+        <p:spPr/>
+        <p:txBody>
+          <a:bodyPr/>
+          <a:lstStyle/>
+          <a:p>
+            <a:pPr lvl="0" marL="0" indent="0">
+              <a:buNone/>
+            </a:pPr>
+            <a:r>
+              <a:rPr/>
+              <a:t>Addressing</a:t>
+            </a:r>
+            <a:r>
+              <a:rPr/>
+              <a:t> </a:t>
+            </a:r>
+            <a:r>
+              <a:rPr/>
+              <a:t>Debugging</a:t>
+            </a:r>
+          </a:p>
+        </p:txBody>
+      </p:sp>
+      <p:sp>
+        <p:nvSpPr>
+          <p:cNvPr id="3" name="Content Placeholder 2"/>
+          <p:cNvSpPr>
+            <a:spLocks noGrp="1"/>
+          </p:cNvSpPr>
+          <p:nvPr>
+            <p:ph idx="1"/>
+          </p:nvPr>
+        </p:nvSpPr>
+        <p:spPr/>
+        <p:txBody>
+          <a:bodyPr/>
+          <a:lstStyle/>
+          <a:p>
+            <a:pPr lvl="1"/>
+            <a:r>
+              <a:rPr/>
+              <a:t>Greater exposure to python from program + practice understanding problems</a:t>
+            </a:r>
+          </a:p>
+          <a:p>
+            <a:pPr lvl="1"/>
+            <a:r>
+              <a:rPr/>
+              <a:t>Future front end should include debugging tools</a:t>
+            </a:r>
+          </a:p>
+          <a:p>
+            <a:pPr lvl="1"/>
+            <a:r>
+              <a:rPr/>
+              <a:t>More exposure to bugs particularly in LLMs</a:t>
+            </a:r>
+          </a:p>
+        </p:txBody>
+      </p:sp>
+    </p:spTree>
+  </p:cSld>
+</p:sld>
+</file>
+
+<file path=ppt/slides/slide7.xml><?xml version="1.0" encoding="utf-8"?>
+<p:sld xmlns:a="http://schemas.openxmlformats.org/drawingml/2006/main" xmlns:r="http://schemas.openxmlformats.org/officeDocument/2006/relationships" xmlns:p="http://schemas.openxmlformats.org/presentationml/2006/main">
+  <p:cSld>
+    <p:spTree>
+      <p:nvGrpSpPr>
+        <p:cNvPr id="1" name=""/>
+        <p:cNvGrpSpPr/>
+        <p:nvPr/>
+      </p:nvGrpSpPr>
+      <p:grpSpPr>
+        <a:xfrm>
+          <a:off x="0" y="0"/>
+          <a:ext cx="0" cy="0"/>
+          <a:chOff x="0" y="0"/>
+          <a:chExt cx="0" cy="0"/>
+        </a:xfrm>
+      </p:grpSpPr>
+      <p:sp>
+        <p:nvSpPr>
+          <p:cNvPr id="2" name="Title 1"/>
+          <p:cNvSpPr>
+            <a:spLocks noGrp="1"/>
+          </p:cNvSpPr>
+          <p:nvPr>
+            <p:ph type="title"/>
+          </p:nvPr>
+        </p:nvSpPr>
+        <p:spPr/>
+        <p:txBody>
+          <a:bodyPr/>
+          <a:lstStyle/>
+          <a:p>
+            <a:pPr lvl="0" marL="0" indent="0">
+              <a:buNone/>
+            </a:pPr>
+            <a:r>
+              <a:rPr/>
+              <a:t>Code</a:t>
+            </a:r>
+            <a:r>
+              <a:rPr/>
+              <a:t> </a:t>
+            </a:r>
+            <a:r>
+              <a:rPr/>
+              <a:t>Architecture</a:t>
+            </a:r>
+          </a:p>
+        </p:txBody>
+      </p:sp>
+      <p:sp>
+        <p:nvSpPr>
+          <p:cNvPr id="3" name="Content Placeholder 2"/>
+          <p:cNvSpPr>
+            <a:spLocks noGrp="1"/>
+          </p:cNvSpPr>
+          <p:nvPr>
+            <p:ph idx="1"/>
+          </p:nvPr>
+        </p:nvSpPr>
+        <p:spPr/>
+        <p:txBody>
+          <a:bodyPr/>
+          <a:lstStyle/>
+          <a:p>
+            <a:pPr lvl="1"/>
+            <a:r>
+              <a:rPr/>
+              <a:t>Diagram of code blocks (More granular than just classes)</a:t>
+            </a:r>
+          </a:p>
+        </p:txBody>
+      </p:sp>
+    </p:spTree>
+  </p:cSld>
+</p:sld>
+</file>
+
+<file path=ppt/slides/slide8.xml><?xml version="1.0" encoding="utf-8"?>
+<p:sld xmlns:a="http://schemas.openxmlformats.org/drawingml/2006/main" xmlns:r="http://schemas.openxmlformats.org/officeDocument/2006/relationships" xmlns:p="http://schemas.openxmlformats.org/presentationml/2006/main">
+  <p:cSld>
+    <p:spTree>
+      <p:nvGrpSpPr>
+        <p:cNvPr id="1" name=""/>
+        <p:cNvGrpSpPr/>
+        <p:nvPr/>
+      </p:nvGrpSpPr>
+      <p:grpSpPr>
+        <a:xfrm>
+          <a:off x="0" y="0"/>
+          <a:ext cx="0" cy="0"/>
+          <a:chOff x="0" y="0"/>
+          <a:chExt cx="0" cy="0"/>
+        </a:xfrm>
+      </p:grpSpPr>
+      <p:sp>
+        <p:nvSpPr>
+          <p:cNvPr id="2" name="Title 1"/>
+          <p:cNvSpPr>
+            <a:spLocks noGrp="1"/>
+          </p:cNvSpPr>
+          <p:nvPr>
+            <p:ph type="title"/>
+          </p:nvPr>
+        </p:nvSpPr>
+        <p:spPr/>
+        <p:txBody>
+          <a:bodyPr/>
+          <a:lstStyle/>
+          <a:p>
+            <a:pPr lvl="0" marL="0" indent="0">
+              <a:buNone/>
+            </a:pPr>
+            <a:r>
+              <a:rPr/>
+              <a:t>Bug</a:t>
+            </a:r>
+            <a:r>
+              <a:rPr/>
+              <a:t> </a:t>
+            </a:r>
+            <a:r>
+              <a:rPr/>
+              <a:t>Insertion</a:t>
+            </a:r>
+          </a:p>
+        </p:txBody>
+      </p:sp>
+      <p:sp>
+        <p:nvSpPr>
+          <p:cNvPr id="3" name="Content Placeholder 2"/>
+          <p:cNvSpPr>
+            <a:spLocks noGrp="1"/>
+          </p:cNvSpPr>
+          <p:nvPr>
+            <p:ph idx="1"/>
+          </p:nvPr>
+        </p:nvSpPr>
+        <p:spPr/>
+        <p:txBody>
+          <a:bodyPr/>
+          <a:lstStyle/>
+          <a:p>
+            <a:pPr lvl="1"/>
+            <a:r>
+              <a:rPr/>
+              <a:t>How bugs are inserted</a:t>
+            </a:r>
+          </a:p>
+          <a:p>
+            <a:pPr lvl="1"/>
+            <a:r>
+              <a:rPr/>
+              <a:t>Common issues with insertion and workarounds implemented</a:t>
+            </a:r>
+          </a:p>
+        </p:txBody>
+      </p:sp>
+    </p:spTree>
+  </p:cSld>
+</p:sld>
+</file>
+
+<file path=ppt/slides/slide9.xml><?xml version="1.0" encoding="utf-8"?>
+<p:sld xmlns:a="http://schemas.openxmlformats.org/drawingml/2006/main" xmlns:r="http://schemas.openxmlformats.org/officeDocument/2006/relationships" xmlns:p="http://schemas.openxmlformats.org/presentationml/2006/main">
+  <p:cSld>
+    <p:spTree>
+      <p:nvGrpSpPr>
+        <p:cNvPr id="1" name=""/>
+        <p:cNvGrpSpPr/>
+        <p:nvPr/>
+      </p:nvGrpSpPr>
+      <p:grpSpPr>
+        <a:xfrm>
+          <a:off x="0" y="0"/>
+          <a:ext cx="0" cy="0"/>
+          <a:chOff x="0" y="0"/>
+          <a:chExt cx="0" cy="0"/>
+        </a:xfrm>
+      </p:grpSpPr>
+      <p:sp>
+        <p:nvSpPr>
+          <p:cNvPr id="2" name="Title 1"/>
+          <p:cNvSpPr>
+            <a:spLocks noGrp="1"/>
+          </p:cNvSpPr>
+          <p:nvPr>
+            <p:ph type="title"/>
+          </p:nvPr>
+        </p:nvSpPr>
+        <p:spPr/>
+        <p:txBody>
+          <a:bodyPr/>
+          <a:lstStyle/>
+          <a:p>
+            <a:pPr lvl="0" marL="0" indent="0">
+              <a:buNone/>
+            </a:pPr>
+            <a:r>
+              <a:rPr/>
+              <a:t>Self</a:t>
+            </a:r>
+            <a:r>
+              <a:rPr/>
+              <a:t> </a:t>
+            </a:r>
+            <a:r>
+              <a:rPr/>
+              <a:t>Checking</a:t>
+            </a:r>
+            <a:r>
+              <a:rPr/>
+              <a:t> </a:t>
+            </a:r>
+            <a:r>
+              <a:rPr/>
+              <a:t>and</a:t>
+            </a:r>
+            <a:r>
+              <a:rPr/>
+              <a:t> </a:t>
+            </a:r>
+            <a:r>
+              <a:rPr/>
+              <a:t>Improvement</a:t>
+            </a:r>
+          </a:p>
+        </p:txBody>
+      </p:sp>
+      <p:sp>
+        <p:nvSpPr>
+          <p:cNvPr id="3" name="Content Placeholder 2"/>
+          <p:cNvSpPr>
+            <a:spLocks noGrp="1"/>
+          </p:cNvSpPr>
+          <p:nvPr>
+            <p:ph idx="1"/>
+          </p:nvPr>
+        </p:nvSpPr>
+        <p:spPr/>
+        <p:txBody>
+          <a:bodyPr/>
+          <a:lstStyle/>
+          <a:p>
+            <a:pPr lvl="1"/>
+            <a:r>
+              <a:rPr/>
+              <a:t>How self checking is implemented</a:t>
+            </a:r>
+          </a:p>
+          <a:p>
+            <a:pPr lvl="1"/>
+            <a:r>
+              <a:rPr/>
+              <a:t>How the problematic responses are improved</a:t>
             </a:r>
           </a:p>
         </p:txBody>
